--- a/VSTO add-in/test_case/AddinTest.pptx
+++ b/VSTO add-in/test_case/AddinTest.pptx
@@ -3406,7 +3406,7 @@
         <p:spPr>
           <a:xfrm>
             <a:off x="3684357" y="2712892"/>
-            <a:ext cx="4823286" cy="2554545"/>
+            <a:ext cx="4823286" cy="3046988"/>
           </a:xfrm>
           <a:prstGeom prst="rect">
             <a:avLst/>
@@ -3419,21 +3419,34 @@
           </a:bodyPr>
           <a:lstStyle/>
           <a:p>
-            <a:endParaRPr lang="en-US" altLang="zh-CN" sz="1600">
+            <a:endParaRPr lang="nn-NO" altLang="zh-CN" sz="1600" dirty="0">
               <a:latin typeface="Arial" panose="020B0604020202020204" pitchFamily="34" charset="0"/>
             </a:endParaRPr>
           </a:p>
           <a:p>
             <a:r>
-              <a:rPr lang="en-US" altLang="zh-CN" sz="1600">
+              <a:rPr lang="nn-NO" altLang="zh-CN" sz="1600" dirty="0">
+                <a:latin typeface="Arial" panose="020B0604020202020204" pitchFamily="34" charset="0"/>
+              </a:rPr>
+              <a:t>#include &lt;iostream&gt;</a:t>
+            </a:r>
+          </a:p>
+          <a:p>
+            <a:r>
+              <a:rPr lang="nn-NO" altLang="zh-CN" sz="1600" dirty="0">
                 <a:latin typeface="Arial" panose="020B0604020202020204" pitchFamily="34" charset="0"/>
               </a:rPr>
               <a:t>using namespace std;</a:t>
             </a:r>
           </a:p>
           <a:p>
-            <a:r>
-              <a:rPr lang="en-US" altLang="zh-CN" sz="1600">
+            <a:endParaRPr lang="nn-NO" altLang="zh-CN" sz="1600" dirty="0">
+              <a:latin typeface="Arial" panose="020B0604020202020204" pitchFamily="34" charset="0"/>
+            </a:endParaRPr>
+          </a:p>
+          <a:p>
+            <a:r>
+              <a:rPr lang="nn-NO" altLang="zh-CN" sz="1600" dirty="0">
                 <a:latin typeface="Arial" panose="020B0604020202020204" pitchFamily="34" charset="0"/>
               </a:rPr>
               <a:t>int main() {</a:t>
@@ -3441,7 +3454,7 @@
           </a:p>
           <a:p>
             <a:r>
-              <a:rPr lang="en-US" altLang="zh-CN" sz="1600">
+              <a:rPr lang="nn-NO" altLang="zh-CN" sz="1600" dirty="0">
                 <a:latin typeface="Arial" panose="020B0604020202020204" pitchFamily="34" charset="0"/>
               </a:rPr>
               <a:t>    int n = 10;</a:t>
@@ -3449,7 +3462,7 @@
           </a:p>
           <a:p>
             <a:r>
-              <a:rPr lang="en-US" altLang="zh-CN" sz="1600">
+              <a:rPr lang="nn-NO" altLang="zh-CN" sz="1600" dirty="0">
                 <a:latin typeface="Arial" panose="020B0604020202020204" pitchFamily="34" charset="0"/>
               </a:rPr>
               <a:t>    for (int i = 0; i &lt; n; ++i) {</a:t>
@@ -3457,7 +3470,7 @@
           </a:p>
           <a:p>
             <a:r>
-              <a:rPr lang="en-US" altLang="zh-CN" sz="1600">
+              <a:rPr lang="nn-NO" altLang="zh-CN" sz="1600" dirty="0">
                 <a:latin typeface="Arial" panose="020B0604020202020204" pitchFamily="34" charset="0"/>
               </a:rPr>
               <a:t>        cout &lt;&lt; i * i &lt;&lt; endl;</a:t>
@@ -3465,7 +3478,7 @@
           </a:p>
           <a:p>
             <a:r>
-              <a:rPr lang="en-US" altLang="zh-CN" sz="1600">
+              <a:rPr lang="nn-NO" altLang="zh-CN" sz="1600" dirty="0">
                 <a:latin typeface="Arial" panose="020B0604020202020204" pitchFamily="34" charset="0"/>
               </a:rPr>
               <a:t>    }</a:t>
@@ -3473,7 +3486,7 @@
           </a:p>
           <a:p>
             <a:r>
-              <a:rPr lang="en-US" altLang="zh-CN" sz="1600">
+              <a:rPr lang="nn-NO" altLang="zh-CN" sz="1600" dirty="0">
                 <a:latin typeface="Arial" panose="020B0604020202020204" pitchFamily="34" charset="0"/>
               </a:rPr>
               <a:t>    return 0;</a:t>
@@ -3481,12 +3494,13 @@
           </a:p>
           <a:p>
             <a:r>
-              <a:rPr lang="en-US" altLang="zh-CN" sz="1600">
-                <a:latin typeface="Arial" panose="020B0604020202020204" pitchFamily="34" charset="0"/>
-              </a:rPr>
-              <a:t>}
-</a:t>
-            </a:r>
+              <a:rPr lang="nn-NO" altLang="zh-CN" sz="1600" dirty="0">
+                <a:latin typeface="Arial" panose="020B0604020202020204" pitchFamily="34" charset="0"/>
+              </a:rPr>
+              <a:t>}</a:t>
+            </a:r>
+          </a:p>
+          <a:p>
             <a:endParaRPr lang="zh-CN" altLang="en-US" sz="1600" dirty="0">
               <a:latin typeface="Arial" panose="020B0604020202020204" pitchFamily="34" charset="0"/>
             </a:endParaRPr>
@@ -5003,7 +5017,7 @@
         </p:nvSpPr>
         <p:spPr>
           <a:xfrm>
-            <a:off x="48863" y="1905581"/>
+            <a:off x="5551305" y="2146213"/>
             <a:ext cx="6149514" cy="4524315"/>
           </a:xfrm>
           <a:prstGeom prst="rect">
@@ -5019,18 +5033,27 @@
           <a:p>
             <a:r>
               <a:rPr lang="en-US" altLang="zh-CN" sz="1600" dirty="0">
+                <a:solidFill>
+                  <a:srgbClr val="37477B"/>
+                </a:solidFill>
                 <a:latin typeface="Arial" panose="020B0604020202020204" pitchFamily="34" charset="0"/>
               </a:rPr>
               <a:t>import </a:t>
             </a:r>
             <a:r>
               <a:rPr lang="en-US" altLang="zh-CN" sz="1600" dirty="0" err="1">
+                <a:solidFill>
+                  <a:srgbClr val="37477B"/>
+                </a:solidFill>
                 <a:latin typeface="Arial" panose="020B0604020202020204" pitchFamily="34" charset="0"/>
               </a:rPr>
               <a:t>numpy</a:t>
             </a:r>
             <a:r>
               <a:rPr lang="en-US" altLang="zh-CN" sz="1600" dirty="0">
+                <a:solidFill>
+                  <a:srgbClr val="37477B"/>
+                </a:solidFill>
                 <a:latin typeface="Arial" panose="020B0604020202020204" pitchFamily="34" charset="0"/>
               </a:rPr>
               <a:t> as np</a:t>
@@ -5039,103 +5062,154 @@
           <a:p>
             <a:r>
               <a:rPr lang="en-US" altLang="zh-CN" sz="1600" dirty="0">
+                <a:solidFill>
+                  <a:srgbClr val="37477B"/>
+                </a:solidFill>
                 <a:latin typeface="Arial" panose="020B0604020202020204" pitchFamily="34" charset="0"/>
               </a:rPr>
               <a:t>import </a:t>
             </a:r>
             <a:r>
               <a:rPr lang="en-US" altLang="zh-CN" sz="1600" dirty="0" err="1">
+                <a:solidFill>
+                  <a:srgbClr val="37477B"/>
+                </a:solidFill>
                 <a:latin typeface="Arial" panose="020B0604020202020204" pitchFamily="34" charset="0"/>
               </a:rPr>
               <a:t>matplotlib.pyplot</a:t>
             </a:r>
             <a:r>
               <a:rPr lang="en-US" altLang="zh-CN" sz="1600" dirty="0">
+                <a:solidFill>
+                  <a:srgbClr val="37477B"/>
+                </a:solidFill>
                 <a:latin typeface="Arial" panose="020B0604020202020204" pitchFamily="34" charset="0"/>
               </a:rPr>
               <a:t> as </a:t>
             </a:r>
             <a:r>
               <a:rPr lang="en-US" altLang="zh-CN" sz="1600" dirty="0" err="1">
+                <a:solidFill>
+                  <a:srgbClr val="37477B"/>
+                </a:solidFill>
                 <a:latin typeface="Arial" panose="020B0604020202020204" pitchFamily="34" charset="0"/>
               </a:rPr>
               <a:t>plt</a:t>
             </a:r>
             <a:endParaRPr lang="en-US" altLang="zh-CN" sz="1600" dirty="0">
+              <a:solidFill>
+                <a:srgbClr val="37477B"/>
+              </a:solidFill>
               <a:latin typeface="Arial" panose="020B0604020202020204" pitchFamily="34" charset="0"/>
             </a:endParaRPr>
           </a:p>
           <a:p>
             <a:endParaRPr lang="en-US" altLang="zh-CN" sz="1600" dirty="0">
+              <a:solidFill>
+                <a:srgbClr val="37477B"/>
+              </a:solidFill>
               <a:latin typeface="Arial" panose="020B0604020202020204" pitchFamily="34" charset="0"/>
             </a:endParaRPr>
           </a:p>
           <a:p>
             <a:r>
               <a:rPr lang="en-US" altLang="zh-CN" sz="1600" dirty="0">
+                <a:solidFill>
+                  <a:srgbClr val="37477B"/>
+                </a:solidFill>
                 <a:latin typeface="Arial" panose="020B0604020202020204" pitchFamily="34" charset="0"/>
               </a:rPr>
               <a:t>x = </a:t>
             </a:r>
             <a:r>
               <a:rPr lang="en-US" altLang="zh-CN" sz="1600" dirty="0" err="1">
+                <a:solidFill>
+                  <a:srgbClr val="37477B"/>
+                </a:solidFill>
                 <a:latin typeface="Arial" panose="020B0604020202020204" pitchFamily="34" charset="0"/>
               </a:rPr>
               <a:t>np.linspace</a:t>
             </a:r>
             <a:r>
               <a:rPr lang="en-US" altLang="zh-CN" sz="1600" dirty="0">
-                <a:latin typeface="Arial" panose="020B0604020202020204" pitchFamily="34" charset="0"/>
-              </a:rPr>
-              <a:t>(0, 2, 100)  # Sample data.</a:t>
+                <a:solidFill>
+                  <a:srgbClr val="37477B"/>
+                </a:solidFill>
+                <a:latin typeface="Arial" panose="020B0604020202020204" pitchFamily="34" charset="0"/>
+              </a:rPr>
+              <a:t>(0, 200, 100)  # Sample data.</a:t>
             </a:r>
           </a:p>
           <a:p>
             <a:endParaRPr lang="en-US" altLang="zh-CN" sz="1600" dirty="0">
+              <a:solidFill>
+                <a:srgbClr val="37477B"/>
+              </a:solidFill>
               <a:latin typeface="Arial" panose="020B0604020202020204" pitchFamily="34" charset="0"/>
             </a:endParaRPr>
           </a:p>
           <a:p>
             <a:r>
               <a:rPr lang="en-US" altLang="zh-CN" sz="1600" dirty="0">
+                <a:solidFill>
+                  <a:srgbClr val="37477B"/>
+                </a:solidFill>
                 <a:latin typeface="Arial" panose="020B0604020202020204" pitchFamily="34" charset="0"/>
               </a:rPr>
               <a:t>fig, ax = </a:t>
             </a:r>
             <a:r>
               <a:rPr lang="en-US" altLang="zh-CN" sz="1600" dirty="0" err="1">
+                <a:solidFill>
+                  <a:srgbClr val="37477B"/>
+                </a:solidFill>
                 <a:latin typeface="Arial" panose="020B0604020202020204" pitchFamily="34" charset="0"/>
               </a:rPr>
               <a:t>plt.subplots</a:t>
             </a:r>
             <a:r>
               <a:rPr lang="en-US" altLang="zh-CN" sz="1600" dirty="0">
+                <a:solidFill>
+                  <a:srgbClr val="37477B"/>
+                </a:solidFill>
                 <a:latin typeface="Arial" panose="020B0604020202020204" pitchFamily="34" charset="0"/>
               </a:rPr>
               <a:t>(</a:t>
             </a:r>
             <a:r>
               <a:rPr lang="en-US" altLang="zh-CN" sz="1600" dirty="0" err="1">
+                <a:solidFill>
+                  <a:srgbClr val="37477B"/>
+                </a:solidFill>
                 <a:latin typeface="Arial" panose="020B0604020202020204" pitchFamily="34" charset="0"/>
               </a:rPr>
               <a:t>figsize</a:t>
             </a:r>
             <a:r>
               <a:rPr lang="en-US" altLang="zh-CN" sz="1600" dirty="0">
-                <a:latin typeface="Arial" panose="020B0604020202020204" pitchFamily="34" charset="0"/>
-              </a:rPr>
-              <a:t>=(5, 2.7))</a:t>
+                <a:solidFill>
+                  <a:srgbClr val="37477B"/>
+                </a:solidFill>
+                <a:latin typeface="Arial" panose="020B0604020202020204" pitchFamily="34" charset="0"/>
+              </a:rPr>
+              <a:t>=(6, 2.7))</a:t>
             </a:r>
           </a:p>
           <a:p>
             <a:r>
               <a:rPr lang="en-US" altLang="zh-CN" sz="1600" dirty="0" err="1">
+                <a:solidFill>
+                  <a:srgbClr val="37477B"/>
+                </a:solidFill>
                 <a:latin typeface="Arial" panose="020B0604020202020204" pitchFamily="34" charset="0"/>
               </a:rPr>
               <a:t>ax.plot</a:t>
             </a:r>
             <a:r>
               <a:rPr lang="en-US" altLang="zh-CN" sz="1600" dirty="0">
+                <a:solidFill>
+                  <a:srgbClr val="37477B"/>
+                </a:solidFill>
                 <a:latin typeface="Arial" panose="020B0604020202020204" pitchFamily="34" charset="0"/>
               </a:rPr>
               <a:t>(x, x, label='linear')  # Plot some data on the axes.</a:t>
@@ -5144,124 +5218,175 @@
           <a:p>
             <a:r>
               <a:rPr lang="en-US" altLang="zh-CN" sz="1600" dirty="0" err="1">
+                <a:solidFill>
+                  <a:srgbClr val="37477B"/>
+                </a:solidFill>
                 <a:latin typeface="Arial" panose="020B0604020202020204" pitchFamily="34" charset="0"/>
               </a:rPr>
               <a:t>ax.plot</a:t>
             </a:r>
             <a:r>
               <a:rPr lang="en-US" altLang="zh-CN" sz="1600" dirty="0">
-                <a:latin typeface="Arial" panose="020B0604020202020204" pitchFamily="34" charset="0"/>
-              </a:rPr>
-              <a:t>(x, x**2, label='quadratic')  # Plot more data on the axes...</a:t>
+                <a:solidFill>
+                  <a:srgbClr val="37477B"/>
+                </a:solidFill>
+                <a:latin typeface="Arial" panose="020B0604020202020204" pitchFamily="34" charset="0"/>
+              </a:rPr>
+              <a:t>(x, x**2, label='quadratic')</a:t>
             </a:r>
           </a:p>
           <a:p>
             <a:r>
               <a:rPr lang="en-US" altLang="zh-CN" sz="1600" dirty="0" err="1">
+                <a:solidFill>
+                  <a:srgbClr val="37477B"/>
+                </a:solidFill>
                 <a:latin typeface="Arial" panose="020B0604020202020204" pitchFamily="34" charset="0"/>
               </a:rPr>
               <a:t>ax.plot</a:t>
             </a:r>
             <a:r>
               <a:rPr lang="en-US" altLang="zh-CN" sz="1600" dirty="0">
-                <a:latin typeface="Arial" panose="020B0604020202020204" pitchFamily="34" charset="0"/>
-              </a:rPr>
-              <a:t>(x, x**3, label='cubic')  # ... and some more.</a:t>
+                <a:solidFill>
+                  <a:srgbClr val="37477B"/>
+                </a:solidFill>
+                <a:latin typeface="Arial" panose="020B0604020202020204" pitchFamily="34" charset="0"/>
+              </a:rPr>
+              <a:t>(x, x**3, label='cubic') </a:t>
             </a:r>
           </a:p>
           <a:p>
             <a:r>
               <a:rPr lang="en-US" altLang="zh-CN" sz="1600" dirty="0" err="1">
+                <a:solidFill>
+                  <a:srgbClr val="37477B"/>
+                </a:solidFill>
                 <a:latin typeface="Arial" panose="020B0604020202020204" pitchFamily="34" charset="0"/>
               </a:rPr>
               <a:t>ax.set_xlabel</a:t>
             </a:r>
             <a:r>
               <a:rPr lang="en-US" altLang="zh-CN" sz="1600" dirty="0">
-                <a:latin typeface="Arial" panose="020B0604020202020204" pitchFamily="34" charset="0"/>
-              </a:rPr>
-              <a:t>('x label')  # Add an x-label to the axes.</a:t>
+                <a:solidFill>
+                  <a:srgbClr val="37477B"/>
+                </a:solidFill>
+                <a:latin typeface="Arial" panose="020B0604020202020204" pitchFamily="34" charset="0"/>
+              </a:rPr>
+              <a:t>('x label')</a:t>
             </a:r>
           </a:p>
           <a:p>
             <a:r>
               <a:rPr lang="en-US" altLang="zh-CN" sz="1600" dirty="0" err="1">
+                <a:solidFill>
+                  <a:srgbClr val="37477B"/>
+                </a:solidFill>
                 <a:latin typeface="Arial" panose="020B0604020202020204" pitchFamily="34" charset="0"/>
               </a:rPr>
               <a:t>ax.set_ylabel</a:t>
             </a:r>
             <a:r>
               <a:rPr lang="en-US" altLang="zh-CN" sz="1600" dirty="0">
-                <a:latin typeface="Arial" panose="020B0604020202020204" pitchFamily="34" charset="0"/>
-              </a:rPr>
-              <a:t>('y label')  # Add a y-label to the axes.</a:t>
+                <a:solidFill>
+                  <a:srgbClr val="37477B"/>
+                </a:solidFill>
+                <a:latin typeface="Arial" panose="020B0604020202020204" pitchFamily="34" charset="0"/>
+              </a:rPr>
+              <a:t>('y label')</a:t>
             </a:r>
           </a:p>
           <a:p>
             <a:r>
               <a:rPr lang="en-US" altLang="zh-CN" sz="1600" dirty="0" err="1">
+                <a:solidFill>
+                  <a:srgbClr val="37477B"/>
+                </a:solidFill>
                 <a:latin typeface="Arial" panose="020B0604020202020204" pitchFamily="34" charset="0"/>
               </a:rPr>
               <a:t>ax.set_title</a:t>
             </a:r>
             <a:r>
               <a:rPr lang="en-US" altLang="zh-CN" sz="1600" dirty="0">
-                <a:latin typeface="Arial" panose="020B0604020202020204" pitchFamily="34" charset="0"/>
-              </a:rPr>
-              <a:t>("Simple Plot")  # Add a title to the axes.</a:t>
+                <a:solidFill>
+                  <a:srgbClr val="37477B"/>
+                </a:solidFill>
+                <a:latin typeface="Arial" panose="020B0604020202020204" pitchFamily="34" charset="0"/>
+              </a:rPr>
+              <a:t>("Simple Plot")</a:t>
             </a:r>
           </a:p>
           <a:p>
             <a:r>
               <a:rPr lang="en-US" altLang="zh-CN" sz="1600" dirty="0" err="1">
+                <a:solidFill>
+                  <a:srgbClr val="37477B"/>
+                </a:solidFill>
                 <a:latin typeface="Arial" panose="020B0604020202020204" pitchFamily="34" charset="0"/>
               </a:rPr>
               <a:t>ax.legend</a:t>
             </a:r>
             <a:r>
               <a:rPr lang="en-US" altLang="zh-CN" sz="1600" dirty="0">
-                <a:latin typeface="Arial" panose="020B0604020202020204" pitchFamily="34" charset="0"/>
-              </a:rPr>
-              <a:t>();  # Add a legend.</a:t>
+                <a:solidFill>
+                  <a:srgbClr val="37477B"/>
+                </a:solidFill>
+                <a:latin typeface="Arial" panose="020B0604020202020204" pitchFamily="34" charset="0"/>
+              </a:rPr>
+              <a:t>();</a:t>
             </a:r>
           </a:p>
           <a:p>
             <a:r>
               <a:rPr lang="en-US" altLang="zh-CN" sz="1600" dirty="0" err="1">
+                <a:solidFill>
+                  <a:srgbClr val="37477B"/>
+                </a:solidFill>
                 <a:latin typeface="Arial" panose="020B0604020202020204" pitchFamily="34" charset="0"/>
               </a:rPr>
               <a:t>plt.show</a:t>
             </a:r>
             <a:r>
               <a:rPr lang="en-US" altLang="zh-CN" sz="1600" dirty="0">
-                <a:latin typeface="Arial" panose="020B0604020202020204" pitchFamily="34" charset="0"/>
-              </a:rPr>
-              <a:t>()</a:t>
-            </a:r>
+                <a:solidFill>
+                  <a:srgbClr val="37477B"/>
+                </a:solidFill>
+                <a:latin typeface="Arial" panose="020B0604020202020204" pitchFamily="34" charset="0"/>
+              </a:rPr>
+              <a:t>();</a:t>
+            </a:r>
+          </a:p>
+          <a:p>
+            <a:endParaRPr lang="en-US" altLang="zh-CN" sz="1600" dirty="0">
+              <a:solidFill>
+                <a:srgbClr val="37477B"/>
+              </a:solidFill>
+              <a:latin typeface="Arial" panose="020B0604020202020204" pitchFamily="34" charset="0"/>
+            </a:endParaRPr>
           </a:p>
           <a:p>
             <a:r>
               <a:rPr lang="en-US" altLang="zh-CN" sz="1600" dirty="0">
-                <a:latin typeface="Arial" panose="020B0604020202020204" pitchFamily="34" charset="0"/>
-              </a:rPr>
-              <a:t># replace the same output figure, not generate a new one</a:t>
-            </a:r>
-          </a:p>
-          <a:p>
+                <a:solidFill>
+                  <a:srgbClr val="37477B"/>
+                </a:solidFill>
+                <a:latin typeface="Arial" panose="020B0604020202020204" pitchFamily="34" charset="0"/>
+              </a:rPr>
+              <a:t># more diversity, </a:t>
+            </a:r>
+            <a:r>
+              <a:rPr lang="en-US" altLang="zh-CN" sz="1600" dirty="0" err="1">
+                <a:solidFill>
+                  <a:srgbClr val="37477B"/>
+                </a:solidFill>
+                <a:latin typeface="Arial" panose="020B0604020202020204" pitchFamily="34" charset="0"/>
+              </a:rPr>
+              <a:t>R.Chatly</a:t>
+            </a:r>
             <a:r>
               <a:rPr lang="en-US" altLang="zh-CN" sz="1600" dirty="0">
-                <a:latin typeface="Arial" panose="020B0604020202020204" pitchFamily="34" charset="0"/>
-              </a:rPr>
-              <a:t># more diversity, </a:t>
-            </a:r>
-            <a:r>
-              <a:rPr lang="en-US" altLang="zh-CN" sz="1600" dirty="0" err="1">
-                <a:latin typeface="Arial" panose="020B0604020202020204" pitchFamily="34" charset="0"/>
-              </a:rPr>
-              <a:t>R.Chatly</a:t>
-            </a:r>
-            <a:r>
-              <a:rPr lang="en-US" altLang="zh-CN" sz="1600" dirty="0">
+                <a:solidFill>
+                  <a:srgbClr val="37477B"/>
+                </a:solidFill>
                 <a:latin typeface="Arial" panose="020B0604020202020204" pitchFamily="34" charset="0"/>
               </a:rPr>
               <a:t>, Wong, Bai, email (friendly) cc Holger, talk to them, a new demo(focus on making slides, suppose you want to use the add-in to make slides)</a:t>
@@ -5285,8 +5410,8 @@
         </p:nvSpPr>
         <p:spPr>
           <a:xfrm>
-            <a:off x="838200" y="9957"/>
-            <a:ext cx="10515600" cy="1325563"/>
+            <a:off x="4652210" y="385448"/>
+            <a:ext cx="7664116" cy="966114"/>
           </a:xfrm>
           <a:prstGeom prst="rect">
             <a:avLst/>
@@ -5294,7 +5419,7 @@
         </p:spPr>
         <p:txBody>
           <a:bodyPr vert="horz" lIns="91440" tIns="45720" rIns="91440" bIns="45720" rtlCol="0" anchor="b">
-            <a:normAutofit/>
+            <a:normAutofit fontScale="85000" lnSpcReduction="10000"/>
           </a:bodyPr>
           <a:lstStyle>
             <a:lvl1pPr algn="ctr" defTabSz="914400" rtl="0" eaLnBrk="1" latinLnBrk="0" hangingPunct="1">

--- a/VSTO add-in/test_case/AddinTest.pptx
+++ b/VSTO add-in/test_case/AddinTest.pptx
@@ -270,7 +270,7 @@
           <a:p>
             <a:fld id="{C42E5C7C-E33F-4D12-9390-7F1142726119}" type="datetimeFigureOut">
               <a:rPr lang="zh-CN" altLang="en-US" smtClean="0"/>
-              <a:t>2022/2/16</a:t>
+              <a:t>2022/2/19</a:t>
             </a:fld>
             <a:endParaRPr lang="zh-CN" altLang="en-US"/>
           </a:p>
@@ -470,7 +470,7 @@
           <a:p>
             <a:fld id="{C42E5C7C-E33F-4D12-9390-7F1142726119}" type="datetimeFigureOut">
               <a:rPr lang="zh-CN" altLang="en-US" smtClean="0"/>
-              <a:t>2022/2/16</a:t>
+              <a:t>2022/2/19</a:t>
             </a:fld>
             <a:endParaRPr lang="zh-CN" altLang="en-US"/>
           </a:p>
@@ -680,7 +680,7 @@
           <a:p>
             <a:fld id="{C42E5C7C-E33F-4D12-9390-7F1142726119}" type="datetimeFigureOut">
               <a:rPr lang="zh-CN" altLang="en-US" smtClean="0"/>
-              <a:t>2022/2/16</a:t>
+              <a:t>2022/2/19</a:t>
             </a:fld>
             <a:endParaRPr lang="zh-CN" altLang="en-US"/>
           </a:p>
@@ -880,7 +880,7 @@
           <a:p>
             <a:fld id="{C42E5C7C-E33F-4D12-9390-7F1142726119}" type="datetimeFigureOut">
               <a:rPr lang="zh-CN" altLang="en-US" smtClean="0"/>
-              <a:t>2022/2/16</a:t>
+              <a:t>2022/2/19</a:t>
             </a:fld>
             <a:endParaRPr lang="zh-CN" altLang="en-US"/>
           </a:p>
@@ -1156,7 +1156,7 @@
           <a:p>
             <a:fld id="{C42E5C7C-E33F-4D12-9390-7F1142726119}" type="datetimeFigureOut">
               <a:rPr lang="zh-CN" altLang="en-US" smtClean="0"/>
-              <a:t>2022/2/16</a:t>
+              <a:t>2022/2/19</a:t>
             </a:fld>
             <a:endParaRPr lang="zh-CN" altLang="en-US"/>
           </a:p>
@@ -1424,7 +1424,7 @@
           <a:p>
             <a:fld id="{C42E5C7C-E33F-4D12-9390-7F1142726119}" type="datetimeFigureOut">
               <a:rPr lang="zh-CN" altLang="en-US" smtClean="0"/>
-              <a:t>2022/2/16</a:t>
+              <a:t>2022/2/19</a:t>
             </a:fld>
             <a:endParaRPr lang="zh-CN" altLang="en-US"/>
           </a:p>
@@ -1839,7 +1839,7 @@
           <a:p>
             <a:fld id="{C42E5C7C-E33F-4D12-9390-7F1142726119}" type="datetimeFigureOut">
               <a:rPr lang="zh-CN" altLang="en-US" smtClean="0"/>
-              <a:t>2022/2/16</a:t>
+              <a:t>2022/2/19</a:t>
             </a:fld>
             <a:endParaRPr lang="zh-CN" altLang="en-US"/>
           </a:p>
@@ -1981,7 +1981,7 @@
           <a:p>
             <a:fld id="{C42E5C7C-E33F-4D12-9390-7F1142726119}" type="datetimeFigureOut">
               <a:rPr lang="zh-CN" altLang="en-US" smtClean="0"/>
-              <a:t>2022/2/16</a:t>
+              <a:t>2022/2/19</a:t>
             </a:fld>
             <a:endParaRPr lang="zh-CN" altLang="en-US"/>
           </a:p>
@@ -2094,7 +2094,7 @@
           <a:p>
             <a:fld id="{C42E5C7C-E33F-4D12-9390-7F1142726119}" type="datetimeFigureOut">
               <a:rPr lang="zh-CN" altLang="en-US" smtClean="0"/>
-              <a:t>2022/2/16</a:t>
+              <a:t>2022/2/19</a:t>
             </a:fld>
             <a:endParaRPr lang="zh-CN" altLang="en-US"/>
           </a:p>
@@ -2407,7 +2407,7 @@
           <a:p>
             <a:fld id="{C42E5C7C-E33F-4D12-9390-7F1142726119}" type="datetimeFigureOut">
               <a:rPr lang="zh-CN" altLang="en-US" smtClean="0"/>
-              <a:t>2022/2/16</a:t>
+              <a:t>2022/2/19</a:t>
             </a:fld>
             <a:endParaRPr lang="zh-CN" altLang="en-US"/>
           </a:p>
@@ -2696,7 +2696,7 @@
           <a:p>
             <a:fld id="{C42E5C7C-E33F-4D12-9390-7F1142726119}" type="datetimeFigureOut">
               <a:rPr lang="zh-CN" altLang="en-US" smtClean="0"/>
-              <a:t>2022/2/16</a:t>
+              <a:t>2022/2/19</a:t>
             </a:fld>
             <a:endParaRPr lang="zh-CN" altLang="en-US"/>
           </a:p>
@@ -2939,7 +2939,7 @@
           <a:p>
             <a:fld id="{C42E5C7C-E33F-4D12-9390-7F1142726119}" type="datetimeFigureOut">
               <a:rPr lang="zh-CN" altLang="en-US" smtClean="0"/>
-              <a:t>2022/2/16</a:t>
+              <a:t>2022/2/19</a:t>
             </a:fld>
             <a:endParaRPr lang="zh-CN" altLang="en-US"/>
           </a:p>
@@ -6196,12 +6196,15 @@
           </a:bodyPr>
           <a:lstStyle/>
           <a:p>
-            <a:endParaRPr lang="en-US" altLang="zh-CN" dirty="0">
-              <a:solidFill>
-                <a:srgbClr val="000000"/>
-              </a:solidFill>
-              <a:latin typeface="Arial" panose="020B0604020202020204" pitchFamily="34" charset="0"/>
-            </a:endParaRPr>
+            <a:r>
+              <a:rPr lang="en-US" altLang="zh-CN" dirty="0">
+                <a:solidFill>
+                  <a:srgbClr val="000000"/>
+                </a:solidFill>
+                <a:latin typeface="Arial" panose="020B0604020202020204" pitchFamily="34" charset="0"/>
+              </a:rPr>
+              <a:t>#include &lt;iostream&gt;</a:t>
+            </a:r>
           </a:p>
           <a:p>
             <a:r>
